--- a/Report.pptx
+++ b/Report.pptx
@@ -261,7 +261,7 @@
           <a:p>
             <a:fld id="{96E9B245-2076-40CB-ACDE-D58775C98695}" type="datetimeFigureOut">
               <a:rPr lang="ko-KR" altLang="en-US" smtClean="0"/>
-              <a:t>2020-11-22</a:t>
+              <a:t>2020-11-27</a:t>
             </a:fld>
             <a:endParaRPr lang="ko-KR" altLang="en-US"/>
           </a:p>
@@ -459,7 +459,7 @@
           <a:p>
             <a:fld id="{96E9B245-2076-40CB-ACDE-D58775C98695}" type="datetimeFigureOut">
               <a:rPr lang="ko-KR" altLang="en-US" smtClean="0"/>
-              <a:t>2020-11-22</a:t>
+              <a:t>2020-11-27</a:t>
             </a:fld>
             <a:endParaRPr lang="ko-KR" altLang="en-US"/>
           </a:p>
@@ -667,7 +667,7 @@
           <a:p>
             <a:fld id="{96E9B245-2076-40CB-ACDE-D58775C98695}" type="datetimeFigureOut">
               <a:rPr lang="ko-KR" altLang="en-US" smtClean="0"/>
-              <a:t>2020-11-22</a:t>
+              <a:t>2020-11-27</a:t>
             </a:fld>
             <a:endParaRPr lang="ko-KR" altLang="en-US"/>
           </a:p>
@@ -865,7 +865,7 @@
           <a:p>
             <a:fld id="{96E9B245-2076-40CB-ACDE-D58775C98695}" type="datetimeFigureOut">
               <a:rPr lang="ko-KR" altLang="en-US" smtClean="0"/>
-              <a:t>2020-11-22</a:t>
+              <a:t>2020-11-27</a:t>
             </a:fld>
             <a:endParaRPr lang="ko-KR" altLang="en-US"/>
           </a:p>
@@ -1140,7 +1140,7 @@
           <a:p>
             <a:fld id="{96E9B245-2076-40CB-ACDE-D58775C98695}" type="datetimeFigureOut">
               <a:rPr lang="ko-KR" altLang="en-US" smtClean="0"/>
-              <a:t>2020-11-22</a:t>
+              <a:t>2020-11-27</a:t>
             </a:fld>
             <a:endParaRPr lang="ko-KR" altLang="en-US"/>
           </a:p>
@@ -1405,7 +1405,7 @@
           <a:p>
             <a:fld id="{96E9B245-2076-40CB-ACDE-D58775C98695}" type="datetimeFigureOut">
               <a:rPr lang="ko-KR" altLang="en-US" smtClean="0"/>
-              <a:t>2020-11-22</a:t>
+              <a:t>2020-11-27</a:t>
             </a:fld>
             <a:endParaRPr lang="ko-KR" altLang="en-US"/>
           </a:p>
@@ -1817,7 +1817,7 @@
           <a:p>
             <a:fld id="{96E9B245-2076-40CB-ACDE-D58775C98695}" type="datetimeFigureOut">
               <a:rPr lang="ko-KR" altLang="en-US" smtClean="0"/>
-              <a:t>2020-11-22</a:t>
+              <a:t>2020-11-27</a:t>
             </a:fld>
             <a:endParaRPr lang="ko-KR" altLang="en-US"/>
           </a:p>
@@ -1958,7 +1958,7 @@
           <a:p>
             <a:fld id="{96E9B245-2076-40CB-ACDE-D58775C98695}" type="datetimeFigureOut">
               <a:rPr lang="ko-KR" altLang="en-US" smtClean="0"/>
-              <a:t>2020-11-22</a:t>
+              <a:t>2020-11-27</a:t>
             </a:fld>
             <a:endParaRPr lang="ko-KR" altLang="en-US"/>
           </a:p>
@@ -2071,7 +2071,7 @@
           <a:p>
             <a:fld id="{96E9B245-2076-40CB-ACDE-D58775C98695}" type="datetimeFigureOut">
               <a:rPr lang="ko-KR" altLang="en-US" smtClean="0"/>
-              <a:t>2020-11-22</a:t>
+              <a:t>2020-11-27</a:t>
             </a:fld>
             <a:endParaRPr lang="ko-KR" altLang="en-US"/>
           </a:p>
@@ -2382,7 +2382,7 @@
           <a:p>
             <a:fld id="{96E9B245-2076-40CB-ACDE-D58775C98695}" type="datetimeFigureOut">
               <a:rPr lang="ko-KR" altLang="en-US" smtClean="0"/>
-              <a:t>2020-11-22</a:t>
+              <a:t>2020-11-27</a:t>
             </a:fld>
             <a:endParaRPr lang="ko-KR" altLang="en-US"/>
           </a:p>
@@ -2670,7 +2670,7 @@
           <a:p>
             <a:fld id="{96E9B245-2076-40CB-ACDE-D58775C98695}" type="datetimeFigureOut">
               <a:rPr lang="ko-KR" altLang="en-US" smtClean="0"/>
-              <a:t>2020-11-22</a:t>
+              <a:t>2020-11-27</a:t>
             </a:fld>
             <a:endParaRPr lang="ko-KR" altLang="en-US"/>
           </a:p>
@@ -2911,7 +2911,7 @@
           <a:p>
             <a:fld id="{96E9B245-2076-40CB-ACDE-D58775C98695}" type="datetimeFigureOut">
               <a:rPr lang="ko-KR" altLang="en-US" smtClean="0"/>
-              <a:t>2020-11-22</a:t>
+              <a:t>2020-11-27</a:t>
             </a:fld>
             <a:endParaRPr lang="ko-KR" altLang="en-US"/>
           </a:p>
@@ -4487,8 +4487,8 @@
         </p:nvSpPr>
         <p:spPr>
           <a:xfrm>
-            <a:off x="376334" y="3522306"/>
-            <a:ext cx="11439332" cy="338554"/>
+            <a:off x="559215" y="3584362"/>
+            <a:ext cx="11439332" cy="1077218"/>
           </a:xfrm>
           <a:prstGeom prst="rect">
             <a:avLst/>
@@ -4501,28 +4501,57 @@
           </a:bodyPr>
           <a:lstStyle/>
           <a:p>
+            <a:pPr marL="342900" indent="-342900">
+              <a:buAutoNum type="arabicPeriod"/>
+            </a:pPr>
             <a:r>
               <a:rPr lang="ko-KR" altLang="en-US" sz="1600" dirty="0">
-                <a:solidFill>
-                  <a:schemeClr val="bg2">
-                    <a:lumMod val="90000"/>
-                  </a:schemeClr>
-                </a:solidFill>
-                <a:latin typeface="+mn-ea"/>
-              </a:rPr>
-              <a:t>여기에 아이디어를 자유롭게 작성해보세요</a:t>
-            </a:r>
-            <a:r>
-              <a:rPr lang="en-US" altLang="ko-KR" sz="1600" dirty="0">
-                <a:solidFill>
-                  <a:schemeClr val="bg2">
-                    <a:lumMod val="90000"/>
-                  </a:schemeClr>
-                </a:solidFill>
-                <a:latin typeface="+mn-ea"/>
-              </a:rPr>
-              <a:t>.</a:t>
-            </a:r>
+                <a:latin typeface="+mn-ea"/>
+              </a:rPr>
+              <a:t>인식한 물체가 어떤 광물인지 인식하기</a:t>
+            </a:r>
+            <a:endParaRPr lang="en-US" altLang="ko-KR" sz="1600" dirty="0">
+              <a:latin typeface="+mn-ea"/>
+            </a:endParaRPr>
+          </a:p>
+          <a:p>
+            <a:pPr marL="342900" indent="-342900">
+              <a:buAutoNum type="arabicPeriod"/>
+            </a:pPr>
+            <a:r>
+              <a:rPr lang="ko-KR" altLang="en-US" sz="1600">
+                <a:latin typeface="+mn-ea"/>
+              </a:rPr>
+              <a:t>색 구분이 어려운 분들을 </a:t>
+            </a:r>
+            <a:r>
+              <a:rPr lang="ko-KR" altLang="en-US" sz="1600" dirty="0">
+                <a:latin typeface="+mn-ea"/>
+              </a:rPr>
+              <a:t>위한 물체의 색 인식</a:t>
+            </a:r>
+            <a:endParaRPr lang="en-US" altLang="ko-KR" sz="1600" dirty="0">
+              <a:latin typeface="+mn-ea"/>
+            </a:endParaRPr>
+          </a:p>
+          <a:p>
+            <a:pPr marL="342900" indent="-342900">
+              <a:buAutoNum type="arabicPeriod"/>
+            </a:pPr>
+            <a:r>
+              <a:rPr lang="ko-KR" altLang="en-US" sz="1600" dirty="0">
+                <a:latin typeface="+mn-ea"/>
+              </a:rPr>
+              <a:t>옷의 종류 파악하기</a:t>
+            </a:r>
+            <a:endParaRPr lang="en-US" altLang="ko-KR" sz="1600" dirty="0">
+              <a:latin typeface="+mn-ea"/>
+            </a:endParaRPr>
+          </a:p>
+          <a:p>
+            <a:pPr marL="342900" indent="-342900">
+              <a:buAutoNum type="arabicPeriod"/>
+            </a:pPr>
             <a:endParaRPr lang="ko-KR" altLang="en-US" sz="1600" dirty="0">
               <a:solidFill>
                 <a:schemeClr val="bg2">
@@ -4643,8 +4672,8 @@
         </p:nvSpPr>
         <p:spPr>
           <a:xfrm>
-            <a:off x="376335" y="1077942"/>
-            <a:ext cx="11439332" cy="1077218"/>
+            <a:off x="376335" y="1089665"/>
+            <a:ext cx="11439332" cy="2308324"/>
           </a:xfrm>
           <a:prstGeom prst="rect">
             <a:avLst/>
@@ -4657,6 +4686,21 @@
           </a:bodyPr>
           <a:lstStyle/>
           <a:p>
+            <a:pPr marL="342900" indent="-342900">
+              <a:buAutoNum type="arabicPeriod"/>
+            </a:pPr>
+            <a:r>
+              <a:rPr lang="ko-KR" altLang="en-US" sz="1600" dirty="0">
+                <a:solidFill>
+                  <a:schemeClr val="tx1">
+                    <a:lumMod val="85000"/>
+                    <a:lumOff val="15000"/>
+                  </a:schemeClr>
+                </a:solidFill>
+                <a:latin typeface="+mn-ea"/>
+              </a:rPr>
+              <a:t>개발한 웹 애플리케이션의 이름은</a:t>
+            </a:r>
             <a:r>
               <a:rPr lang="en-US" altLang="ko-KR" sz="1600" dirty="0">
                 <a:solidFill>
@@ -4667,20 +4711,10 @@
                 </a:solidFill>
                 <a:latin typeface="+mn-ea"/>
               </a:rPr>
-              <a:t>1. </a:t>
-            </a:r>
-            <a:r>
-              <a:rPr lang="ko-KR" altLang="en-US" sz="1600" dirty="0">
-                <a:solidFill>
-                  <a:schemeClr val="tx1">
-                    <a:lumMod val="85000"/>
-                    <a:lumOff val="15000"/>
-                  </a:schemeClr>
-                </a:solidFill>
-                <a:latin typeface="+mn-ea"/>
-              </a:rPr>
-              <a:t>개발한 웹 애플리케이션의 이름은</a:t>
-            </a:r>
+              <a:t>?</a:t>
+            </a:r>
+          </a:p>
+          <a:p>
             <a:r>
               <a:rPr lang="en-US" altLang="ko-KR" sz="1600" dirty="0">
                 <a:solidFill>
@@ -4691,78 +4725,21 @@
                 </a:solidFill>
                 <a:latin typeface="+mn-ea"/>
               </a:rPr>
-              <a:t>?</a:t>
-            </a:r>
-            <a:br>
-              <a:rPr lang="en-US" altLang="ko-KR" sz="1600" dirty="0">
-                <a:solidFill>
-                  <a:schemeClr val="tx1">
-                    <a:lumMod val="85000"/>
-                    <a:lumOff val="15000"/>
-                  </a:schemeClr>
-                </a:solidFill>
-                <a:latin typeface="+mn-ea"/>
-              </a:rPr>
-            </a:br>
-            <a:br>
-              <a:rPr lang="en-US" altLang="ko-KR" sz="1600" dirty="0">
-                <a:solidFill>
-                  <a:schemeClr val="tx1">
-                    <a:lumMod val="85000"/>
-                    <a:lumOff val="15000"/>
-                  </a:schemeClr>
-                </a:solidFill>
-                <a:latin typeface="+mn-ea"/>
-              </a:rPr>
-            </a:br>
-            <a:br>
-              <a:rPr lang="en-US" altLang="ko-KR" sz="1600" dirty="0">
-                <a:solidFill>
-                  <a:schemeClr val="tx1">
-                    <a:lumMod val="85000"/>
-                    <a:lumOff val="15000"/>
-                  </a:schemeClr>
-                </a:solidFill>
-                <a:latin typeface="+mn-ea"/>
-              </a:rPr>
-            </a:br>
-            <a:r>
-              <a:rPr lang="en-US" altLang="ko-KR" sz="1600" dirty="0">
-                <a:solidFill>
-                  <a:schemeClr val="tx1">
-                    <a:lumMod val="85000"/>
-                    <a:lumOff val="15000"/>
-                  </a:schemeClr>
-                </a:solidFill>
-                <a:latin typeface="+mn-ea"/>
-              </a:rPr>
-              <a:t>2. </a:t>
-            </a:r>
-            <a:r>
-              <a:rPr lang="ko-KR" altLang="en-US" sz="1600" dirty="0">
-                <a:solidFill>
-                  <a:schemeClr val="tx1">
-                    <a:lumMod val="85000"/>
-                    <a:lumOff val="15000"/>
-                  </a:schemeClr>
-                </a:solidFill>
-                <a:latin typeface="+mn-ea"/>
-              </a:rPr>
-              <a:t>생성한 모델에 대해서 설명하세요</a:t>
-            </a:r>
-            <a:r>
-              <a:rPr lang="en-US" altLang="ko-KR" sz="1600" dirty="0">
-                <a:solidFill>
-                  <a:schemeClr val="tx1">
-                    <a:lumMod val="85000"/>
-                    <a:lumOff val="15000"/>
-                  </a:schemeClr>
-                </a:solidFill>
-                <a:latin typeface="+mn-ea"/>
-              </a:rPr>
-              <a:t>.</a:t>
-            </a:r>
-            <a:endParaRPr lang="ko-KR" altLang="en-US" sz="1600" dirty="0">
+              <a:t> </a:t>
+            </a:r>
+            <a:r>
+              <a:rPr lang="ko-KR" altLang="en-US" sz="1600">
+                <a:solidFill>
+                  <a:schemeClr val="tx1">
+                    <a:lumMod val="85000"/>
+                    <a:lumOff val="15000"/>
+                  </a:schemeClr>
+                </a:solidFill>
+                <a:latin typeface="+mn-ea"/>
+              </a:rPr>
+              <a:t>컬러푸</a:t>
+            </a:r>
+            <a:endParaRPr lang="en-US" altLang="ko-KR" sz="1600" dirty="0">
               <a:solidFill>
                 <a:schemeClr val="tx1">
                   <a:lumMod val="85000"/>
@@ -4771,6 +4748,263 @@
               </a:solidFill>
               <a:latin typeface="+mn-ea"/>
             </a:endParaRPr>
+          </a:p>
+          <a:p>
+            <a:pPr marL="342900" indent="-342900">
+              <a:buAutoNum type="arabicPeriod"/>
+            </a:pPr>
+            <a:endParaRPr lang="en-US" altLang="ko-KR" sz="1600" dirty="0">
+              <a:solidFill>
+                <a:schemeClr val="tx1">
+                  <a:lumMod val="85000"/>
+                  <a:lumOff val="15000"/>
+                </a:schemeClr>
+              </a:solidFill>
+              <a:latin typeface="+mn-ea"/>
+            </a:endParaRPr>
+          </a:p>
+          <a:p>
+            <a:r>
+              <a:rPr lang="en-US" altLang="ko-KR" sz="1600" dirty="0">
+                <a:solidFill>
+                  <a:schemeClr val="tx1">
+                    <a:lumMod val="85000"/>
+                    <a:lumOff val="15000"/>
+                  </a:schemeClr>
+                </a:solidFill>
+                <a:latin typeface="+mn-ea"/>
+              </a:rPr>
+              <a:t>2. </a:t>
+            </a:r>
+            <a:r>
+              <a:rPr lang="ko-KR" altLang="en-US" sz="1600" dirty="0">
+                <a:solidFill>
+                  <a:schemeClr val="tx1">
+                    <a:lumMod val="85000"/>
+                    <a:lumOff val="15000"/>
+                  </a:schemeClr>
+                </a:solidFill>
+                <a:latin typeface="+mn-ea"/>
+              </a:rPr>
+              <a:t>생성한 모델에 대해서 설명하세요</a:t>
+            </a:r>
+            <a:r>
+              <a:rPr lang="en-US" altLang="ko-KR" sz="1600" dirty="0">
+                <a:solidFill>
+                  <a:schemeClr val="tx1">
+                    <a:lumMod val="85000"/>
+                    <a:lumOff val="15000"/>
+                  </a:schemeClr>
+                </a:solidFill>
+                <a:latin typeface="+mn-ea"/>
+              </a:rPr>
+              <a:t>.</a:t>
+            </a:r>
+          </a:p>
+          <a:p>
+            <a:endParaRPr lang="en-US" altLang="ko-KR" sz="1600" dirty="0">
+              <a:solidFill>
+                <a:schemeClr val="tx1">
+                  <a:lumMod val="85000"/>
+                  <a:lumOff val="15000"/>
+                </a:schemeClr>
+              </a:solidFill>
+              <a:latin typeface="+mn-ea"/>
+            </a:endParaRPr>
+          </a:p>
+          <a:p>
+            <a:r>
+              <a:rPr lang="ko-KR" altLang="en-US" sz="1600" dirty="0">
+                <a:solidFill>
+                  <a:schemeClr val="tx1">
+                    <a:lumMod val="85000"/>
+                    <a:lumOff val="15000"/>
+                  </a:schemeClr>
+                </a:solidFill>
+                <a:latin typeface="+mn-ea"/>
+              </a:rPr>
+              <a:t>주변을 잘 둘러보면 분명 색맹이든</a:t>
+            </a:r>
+            <a:r>
+              <a:rPr lang="en-US" altLang="ko-KR" sz="1600" dirty="0">
+                <a:solidFill>
+                  <a:schemeClr val="tx1">
+                    <a:lumMod val="85000"/>
+                    <a:lumOff val="15000"/>
+                  </a:schemeClr>
+                </a:solidFill>
+                <a:latin typeface="+mn-ea"/>
+              </a:rPr>
+              <a:t>, </a:t>
+            </a:r>
+            <a:r>
+              <a:rPr lang="ko-KR" altLang="en-US" sz="1600" dirty="0">
+                <a:solidFill>
+                  <a:schemeClr val="tx1">
+                    <a:lumMod val="85000"/>
+                    <a:lumOff val="15000"/>
+                  </a:schemeClr>
+                </a:solidFill>
+                <a:latin typeface="+mn-ea"/>
+              </a:rPr>
+              <a:t>시각 쪽에 어떤 장애가 있든 분명 색을 구별하거나 똑바로 인식하는 것이 어려운 분들이 존재할 것이다</a:t>
+            </a:r>
+            <a:r>
+              <a:rPr lang="en-US" altLang="ko-KR" sz="1600" dirty="0">
+                <a:solidFill>
+                  <a:schemeClr val="tx1">
+                    <a:lumMod val="85000"/>
+                    <a:lumOff val="15000"/>
+                  </a:schemeClr>
+                </a:solidFill>
+                <a:latin typeface="+mn-ea"/>
+              </a:rPr>
+              <a:t>. </a:t>
+            </a:r>
+            <a:r>
+              <a:rPr lang="ko-KR" altLang="en-US" sz="1600" dirty="0">
+                <a:solidFill>
+                  <a:schemeClr val="tx1">
+                    <a:lumMod val="85000"/>
+                    <a:lumOff val="15000"/>
+                  </a:schemeClr>
+                </a:solidFill>
+                <a:latin typeface="+mn-ea"/>
+              </a:rPr>
+              <a:t>색 구별이 가능하다가 갑자기 색을 구별할 수 없다고 가정을 해보았을 때</a:t>
+            </a:r>
+            <a:r>
+              <a:rPr lang="en-US" altLang="ko-KR" sz="1600" dirty="0">
+                <a:solidFill>
+                  <a:schemeClr val="tx1">
+                    <a:lumMod val="85000"/>
+                    <a:lumOff val="15000"/>
+                  </a:schemeClr>
+                </a:solidFill>
+                <a:latin typeface="+mn-ea"/>
+              </a:rPr>
+              <a:t>, </a:t>
+            </a:r>
+            <a:r>
+              <a:rPr lang="ko-KR" altLang="en-US" sz="1600" dirty="0">
+                <a:solidFill>
+                  <a:schemeClr val="tx1">
+                    <a:lumMod val="85000"/>
+                    <a:lumOff val="15000"/>
+                  </a:schemeClr>
+                </a:solidFill>
+                <a:latin typeface="+mn-ea"/>
+              </a:rPr>
+              <a:t>그것이 어떤 색인지 </a:t>
+            </a:r>
+            <a:r>
+              <a:rPr lang="ko-KR" altLang="en-US" sz="1600" dirty="0" err="1">
+                <a:solidFill>
+                  <a:schemeClr val="tx1">
+                    <a:lumMod val="85000"/>
+                    <a:lumOff val="15000"/>
+                  </a:schemeClr>
+                </a:solidFill>
+                <a:latin typeface="+mn-ea"/>
+              </a:rPr>
+              <a:t>뭔지</a:t>
+            </a:r>
+            <a:r>
+              <a:rPr lang="ko-KR" altLang="en-US" sz="1600" dirty="0">
+                <a:solidFill>
+                  <a:schemeClr val="tx1">
+                    <a:lumMod val="85000"/>
+                    <a:lumOff val="15000"/>
+                  </a:schemeClr>
+                </a:solidFill>
+                <a:latin typeface="+mn-ea"/>
+              </a:rPr>
+              <a:t> 구별할 수 없다는 것은 정말 큰 불편이고 </a:t>
+            </a:r>
+            <a:r>
+              <a:rPr lang="ko-KR" altLang="en-US" sz="1600" dirty="0" err="1">
+                <a:solidFill>
+                  <a:schemeClr val="tx1">
+                    <a:lumMod val="85000"/>
+                    <a:lumOff val="15000"/>
+                  </a:schemeClr>
+                </a:solidFill>
+                <a:latin typeface="+mn-ea"/>
+              </a:rPr>
+              <a:t>답답함일</a:t>
+            </a:r>
+            <a:r>
+              <a:rPr lang="ko-KR" altLang="en-US" sz="1600" dirty="0">
+                <a:solidFill>
+                  <a:schemeClr val="tx1">
+                    <a:lumMod val="85000"/>
+                    <a:lumOff val="15000"/>
+                  </a:schemeClr>
+                </a:solidFill>
+                <a:latin typeface="+mn-ea"/>
+              </a:rPr>
+              <a:t> 것이라는 생각이 든다</a:t>
+            </a:r>
+            <a:r>
+              <a:rPr lang="en-US" altLang="ko-KR" sz="1600" dirty="0">
+                <a:solidFill>
+                  <a:schemeClr val="tx1">
+                    <a:lumMod val="85000"/>
+                    <a:lumOff val="15000"/>
+                  </a:schemeClr>
+                </a:solidFill>
+                <a:latin typeface="+mn-ea"/>
+              </a:rPr>
+              <a:t>. </a:t>
+            </a:r>
+            <a:r>
+              <a:rPr lang="ko-KR" altLang="en-US" sz="1600" dirty="0">
+                <a:solidFill>
+                  <a:schemeClr val="tx1">
+                    <a:lumMod val="85000"/>
+                    <a:lumOff val="15000"/>
+                  </a:schemeClr>
+                </a:solidFill>
+                <a:latin typeface="+mn-ea"/>
+              </a:rPr>
+              <a:t>그런 불편함과 답답함을 완전히 해소하는 것은 불가능 하게 하겠지만</a:t>
+            </a:r>
+            <a:r>
+              <a:rPr lang="en-US" altLang="ko-KR" sz="1600" dirty="0">
+                <a:solidFill>
+                  <a:schemeClr val="tx1">
+                    <a:lumMod val="85000"/>
+                    <a:lumOff val="15000"/>
+                  </a:schemeClr>
+                </a:solidFill>
+                <a:latin typeface="+mn-ea"/>
+              </a:rPr>
+              <a:t>, </a:t>
+            </a:r>
+            <a:r>
+              <a:rPr lang="ko-KR" altLang="en-US" sz="1600" dirty="0">
+                <a:solidFill>
+                  <a:schemeClr val="tx1">
+                    <a:lumMod val="85000"/>
+                    <a:lumOff val="15000"/>
+                  </a:schemeClr>
+                </a:solidFill>
+                <a:latin typeface="+mn-ea"/>
+              </a:rPr>
+              <a:t>조금이나마 해소하고자 계획한 것이다</a:t>
+            </a:r>
+            <a:r>
+              <a:rPr lang="en-US" altLang="ko-KR" sz="1600" dirty="0">
+                <a:solidFill>
+                  <a:schemeClr val="tx1">
+                    <a:lumMod val="85000"/>
+                    <a:lumOff val="15000"/>
+                  </a:schemeClr>
+                </a:solidFill>
+                <a:latin typeface="+mn-ea"/>
+              </a:rPr>
+              <a:t>. </a:t>
+            </a:r>
           </a:p>
         </p:txBody>
       </p:sp>
